--- a/3.项目PPT/第5周_需求分析汇报ppt.pptx
+++ b/3.项目PPT/第5周_需求分析汇报ppt.pptx
@@ -5,7 +5,7 @@
     <p:sldMasterId id="2147483660" r:id="rId1"/>
   </p:sldMasterIdLst>
   <p:notesMasterIdLst>
-    <p:notesMasterId r:id="rId35"/>
+    <p:notesMasterId r:id="rId33"/>
   </p:notesMasterIdLst>
   <p:sldIdLst>
     <p:sldId id="311" r:id="rId2"/>
@@ -36,11 +36,9 @@
     <p:sldId id="329" r:id="rId27"/>
     <p:sldId id="330" r:id="rId28"/>
     <p:sldId id="331" r:id="rId29"/>
-    <p:sldId id="332" r:id="rId30"/>
-    <p:sldId id="333" r:id="rId31"/>
-    <p:sldId id="334" r:id="rId32"/>
-    <p:sldId id="335" r:id="rId33"/>
-    <p:sldId id="272" r:id="rId34"/>
+    <p:sldId id="334" r:id="rId30"/>
+    <p:sldId id="339" r:id="rId31"/>
+    <p:sldId id="272" r:id="rId32"/>
   </p:sldIdLst>
   <p:sldSz cx="12192000" cy="6858000"/>
   <p:notesSz cx="6858000" cy="9144000"/>
@@ -229,7 +227,7 @@
           <a:p>
             <a:fld id="{96B07F6E-5E06-4377-95F5-B5E03129E00E}" type="datetimeFigureOut">
               <a:rPr lang="zh-CN" altLang="en-US" smtClean="0"/>
-              <a:t>2020/3/26</a:t>
+              <a:t>2020/3/27</a:t>
             </a:fld>
             <a:endParaRPr lang="zh-CN" altLang="en-US"/>
           </a:p>
@@ -1176,7 +1174,7 @@
           <a:p>
             <a:fld id="{AE984D52-CCAD-4B14-974A-DD4900A9F75E}" type="datetimeFigureOut">
               <a:rPr lang="zh-CN" altLang="en-US" smtClean="0"/>
-              <a:t>2020/3/26</a:t>
+              <a:t>2020/3/27</a:t>
             </a:fld>
             <a:endParaRPr lang="zh-CN" altLang="en-US"/>
           </a:p>
@@ -1638,7 +1636,7 @@
           <a:p>
             <a:fld id="{AE984D52-CCAD-4B14-974A-DD4900A9F75E}" type="datetimeFigureOut">
               <a:rPr lang="zh-CN" altLang="en-US" smtClean="0"/>
-              <a:t>2020/3/26</a:t>
+              <a:t>2020/3/27</a:t>
             </a:fld>
             <a:endParaRPr lang="zh-CN" altLang="en-US"/>
           </a:p>
@@ -1938,7 +1936,7 @@
           <a:p>
             <a:fld id="{AE984D52-CCAD-4B14-974A-DD4900A9F75E}" type="datetimeFigureOut">
               <a:rPr lang="zh-CN" altLang="en-US" smtClean="0"/>
-              <a:t>2020/3/26</a:t>
+              <a:t>2020/3/27</a:t>
             </a:fld>
             <a:endParaRPr lang="zh-CN" altLang="en-US"/>
           </a:p>
@@ -2372,7 +2370,7 @@
           <a:p>
             <a:fld id="{AE984D52-CCAD-4B14-974A-DD4900A9F75E}" type="datetimeFigureOut">
               <a:rPr lang="zh-CN" altLang="en-US" smtClean="0"/>
-              <a:t>2020/3/26</a:t>
+              <a:t>2020/3/27</a:t>
             </a:fld>
             <a:endParaRPr lang="zh-CN" altLang="en-US"/>
           </a:p>
@@ -2502,7 +2500,7 @@
           <a:p>
             <a:fld id="{AE984D52-CCAD-4B14-974A-DD4900A9F75E}" type="datetimeFigureOut">
               <a:rPr lang="zh-CN" altLang="en-US" smtClean="0"/>
-              <a:t>2020/3/26</a:t>
+              <a:t>2020/3/27</a:t>
             </a:fld>
             <a:endParaRPr lang="zh-CN" altLang="en-US"/>
           </a:p>
@@ -2609,7 +2607,7 @@
           <a:p>
             <a:fld id="{AE984D52-CCAD-4B14-974A-DD4900A9F75E}" type="datetimeFigureOut">
               <a:rPr lang="zh-CN" altLang="en-US" smtClean="0"/>
-              <a:t>2020/3/26</a:t>
+              <a:t>2020/3/27</a:t>
             </a:fld>
             <a:endParaRPr lang="zh-CN" altLang="en-US"/>
           </a:p>
@@ -2870,7 +2868,7 @@
           <a:p>
             <a:fld id="{AE984D52-CCAD-4B14-974A-DD4900A9F75E}" type="datetimeFigureOut">
               <a:rPr lang="zh-CN" altLang="en-US" smtClean="0"/>
-              <a:t>2020/3/26</a:t>
+              <a:t>2020/3/27</a:t>
             </a:fld>
             <a:endParaRPr lang="zh-CN" altLang="en-US"/>
           </a:p>
@@ -3391,6 +3389,10 @@
           <a:lstStyle/>
           <a:p>
             <a:r>
+              <a:rPr lang="en-US" altLang="zh-CN" sz="3200" dirty="0" err="1" smtClean="0"/>
+              <a:t>EasySpider</a:t>
+            </a:r>
+            <a:r>
               <a:rPr lang="zh-CN" altLang="en-US" sz="3200" dirty="0" smtClean="0"/>
               <a:t>需求分析汇报</a:t>
             </a:r>
@@ -8412,8 +8414,16 @@
               <a:buNone/>
             </a:pPr>
             <a:r>
+              <a:rPr lang="zh-CN" altLang="en-US" dirty="0" smtClean="0"/>
+              <a:t>包含</a:t>
+            </a:r>
+            <a:r>
               <a:rPr lang="zh-CN" altLang="en-US" dirty="0"/>
-              <a:t>包含一下 </a:t>
+              <a:t>以下</a:t>
+            </a:r>
+            <a:r>
+              <a:rPr lang="zh-CN" altLang="en-US" dirty="0" smtClean="0"/>
+              <a:t> </a:t>
             </a:r>
             <a:r>
               <a:rPr lang="en-US" altLang="zh-CN" dirty="0"/>
@@ -10850,528 +10860,6 @@
           <p:cNvPr id="2" name="Title 1">
             <a:extLst>
               <a:ext uri="{FF2B5EF4-FFF2-40B4-BE49-F238E27FC236}">
-                <a16:creationId xmlns:a16="http://schemas.microsoft.com/office/drawing/2014/main" id="{072F7EA1-0609-44F4-A124-5F7300E9E936}"/>
-              </a:ext>
-            </a:extLst>
-          </p:cNvPr>
-          <p:cNvSpPr>
-            <a:spLocks noGrp="1"/>
-          </p:cNvSpPr>
-          <p:nvPr>
-            <p:ph type="title"/>
-          </p:nvPr>
-        </p:nvSpPr>
-        <p:spPr/>
-        <p:txBody>
-          <a:bodyPr/>
-          <a:lstStyle/>
-          <a:p>
-            <a:r>
-              <a:rPr lang="zh-CN" altLang="en-US" dirty="0"/>
-              <a:t>实验七：软件配置管理</a:t>
-            </a:r>
-            <a:endParaRPr lang="en-US" dirty="0"/>
-          </a:p>
-        </p:txBody>
-      </p:sp>
-      <p:sp>
-        <p:nvSpPr>
-          <p:cNvPr id="3" name="Content Placeholder 2">
-            <a:extLst>
-              <a:ext uri="{FF2B5EF4-FFF2-40B4-BE49-F238E27FC236}">
-                <a16:creationId xmlns:a16="http://schemas.microsoft.com/office/drawing/2014/main" id="{10B6D2AE-B7B0-4C3F-97A0-D2675BD2FCA4}"/>
-              </a:ext>
-            </a:extLst>
-          </p:cNvPr>
-          <p:cNvSpPr>
-            <a:spLocks noGrp="1"/>
-          </p:cNvSpPr>
-          <p:nvPr>
-            <p:ph idx="1"/>
-          </p:nvPr>
-        </p:nvSpPr>
-        <p:spPr/>
-        <p:txBody>
-          <a:bodyPr/>
-          <a:lstStyle/>
-          <a:p>
-            <a:pPr marL="0" indent="0">
-              <a:buNone/>
-            </a:pPr>
-            <a:r>
-              <a:rPr lang="zh-CN" altLang="en-US" b="1" dirty="0"/>
-              <a:t>版本控制要求</a:t>
-            </a:r>
-            <a:endParaRPr lang="en-US" altLang="zh-CN" b="1" dirty="0"/>
-          </a:p>
-          <a:p>
-            <a:r>
-              <a:rPr lang="zh-CN" altLang="en-US" dirty="0"/>
-              <a:t>使用</a:t>
-            </a:r>
-            <a:r>
-              <a:rPr lang="en-US" altLang="zh-CN" dirty="0"/>
-              <a:t>Tag</a:t>
-            </a:r>
-            <a:r>
-              <a:rPr lang="zh-CN" altLang="en-US" dirty="0"/>
-              <a:t>功能管理版本，当功能稳定后创建分支</a:t>
-            </a:r>
-            <a:r>
-              <a:rPr lang="en-US" altLang="zh-CN" dirty="0"/>
-              <a:t>stable</a:t>
-            </a:r>
-            <a:r>
-              <a:rPr lang="zh-CN" altLang="en-US" dirty="0"/>
-              <a:t>，分支保持和最后一个</a:t>
-            </a:r>
-            <a:r>
-              <a:rPr lang="en-US" altLang="zh-CN" dirty="0"/>
-              <a:t>Release</a:t>
-            </a:r>
-            <a:r>
-              <a:rPr lang="zh-CN" altLang="en-US" dirty="0"/>
-              <a:t>的</a:t>
-            </a:r>
-            <a:r>
-              <a:rPr lang="en-US" altLang="zh-CN" dirty="0"/>
-              <a:t>Tag</a:t>
-            </a:r>
-            <a:r>
-              <a:rPr lang="zh-CN" altLang="en-US" dirty="0"/>
-              <a:t>相同，并用这个分支进行部署</a:t>
-            </a:r>
-            <a:endParaRPr lang="en-US" altLang="zh-CN" dirty="0"/>
-          </a:p>
-          <a:p>
-            <a:r>
-              <a:rPr lang="en-US" altLang="zh-CN" dirty="0"/>
-              <a:t>tag</a:t>
-            </a:r>
-            <a:r>
-              <a:rPr lang="zh-CN" altLang="en-US" dirty="0"/>
-              <a:t>名称参考格式</a:t>
-            </a:r>
-            <a:r>
-              <a:rPr lang="en-US" altLang="zh-CN" dirty="0"/>
-              <a:t>“v4.0”</a:t>
-            </a:r>
-          </a:p>
-          <a:p>
-            <a:r>
-              <a:rPr lang="zh-CN" altLang="en-US" dirty="0"/>
-              <a:t>产生一个特定版本，以月份作为主版本号，月内次版本号递增，约一周一个次版本，并产生一个</a:t>
-            </a:r>
-            <a:r>
-              <a:rPr lang="en-US" altLang="zh-CN" dirty="0"/>
-              <a:t>Release</a:t>
-            </a:r>
-            <a:endParaRPr lang="en-US" dirty="0"/>
-          </a:p>
-        </p:txBody>
-      </p:sp>
-    </p:spTree>
-    <p:extLst>
-      <p:ext uri="{BB962C8B-B14F-4D97-AF65-F5344CB8AC3E}">
-        <p14:creationId xmlns:p14="http://schemas.microsoft.com/office/powerpoint/2010/main" val="2596705849"/>
-      </p:ext>
-    </p:extLst>
-  </p:cSld>
-  <p:clrMapOvr>
-    <a:masterClrMapping/>
-  </p:clrMapOvr>
-  <mc:AlternateContent xmlns:mc="http://schemas.openxmlformats.org/markup-compatibility/2006" xmlns:p14="http://schemas.microsoft.com/office/powerpoint/2010/main">
-    <mc:Choice Requires="p14">
-      <p:transition spd="med" p14:dur="700">
-        <p:fade/>
-      </p:transition>
-    </mc:Choice>
-    <mc:Fallback xmlns="">
-      <p:transition spd="med">
-        <p:fade/>
-      </p:transition>
-    </mc:Fallback>
-  </mc:AlternateContent>
-  <p:timing>
-    <p:tnLst>
-      <p:par>
-        <p:cTn id="1" dur="indefinite" restart="never" nodeType="tmRoot"/>
-      </p:par>
-    </p:tnLst>
-  </p:timing>
-</p:sld>
-</file>
-
-<file path=ppt/slides/slide3.xml><?xml version="1.0" encoding="utf-8"?>
-<p:sld xmlns:a="http://schemas.openxmlformats.org/drawingml/2006/main" xmlns:r="http://schemas.openxmlformats.org/officeDocument/2006/relationships" xmlns:p="http://schemas.openxmlformats.org/presentationml/2006/main">
-  <p:cSld>
-    <p:spTree>
-      <p:nvGrpSpPr>
-        <p:cNvPr id="1" name=""/>
-        <p:cNvGrpSpPr/>
-        <p:nvPr/>
-      </p:nvGrpSpPr>
-      <p:grpSpPr>
-        <a:xfrm>
-          <a:off x="0" y="0"/>
-          <a:ext cx="0" cy="0"/>
-          <a:chOff x="0" y="0"/>
-          <a:chExt cx="0" cy="0"/>
-        </a:xfrm>
-      </p:grpSpPr>
-      <p:sp>
-        <p:nvSpPr>
-          <p:cNvPr id="2" name="标题 1"/>
-          <p:cNvSpPr>
-            <a:spLocks noGrp="1"/>
-          </p:cNvSpPr>
-          <p:nvPr>
-            <p:ph type="title"/>
-          </p:nvPr>
-        </p:nvSpPr>
-        <p:spPr/>
-        <p:txBody>
-          <a:bodyPr/>
-          <a:lstStyle/>
-          <a:p>
-            <a:r>
-              <a:rPr lang="en-US" altLang="zh-CN" dirty="0" err="1" smtClean="0"/>
-              <a:t>EasySpider</a:t>
-            </a:r>
-            <a:r>
-              <a:rPr lang="zh-CN" altLang="en-US" dirty="0" smtClean="0"/>
-              <a:t>系统整体架构</a:t>
-            </a:r>
-            <a:endParaRPr lang="zh-CN" altLang="en-US" dirty="0"/>
-          </a:p>
-        </p:txBody>
-      </p:sp>
-      <p:pic>
-        <p:nvPicPr>
-          <p:cNvPr id="7" name="内容占位符 6"/>
-          <p:cNvPicPr>
-            <a:picLocks noGrp="1" noChangeAspect="1"/>
-          </p:cNvPicPr>
-          <p:nvPr>
-            <p:ph idx="1"/>
-          </p:nvPr>
-        </p:nvPicPr>
-        <p:blipFill>
-          <a:blip r:embed="rId2">
-            <a:extLst>
-              <a:ext uri="{28A0092B-C50C-407E-A947-70E740481C1C}">
-                <a14:useLocalDpi xmlns:a14="http://schemas.microsoft.com/office/drawing/2010/main" val="0"/>
-              </a:ext>
-            </a:extLst>
-          </a:blip>
-          <a:stretch>
-            <a:fillRect/>
-          </a:stretch>
-        </p:blipFill>
-        <p:spPr>
-          <a:xfrm>
-            <a:off x="878907" y="1987826"/>
-            <a:ext cx="10791675" cy="3906077"/>
-          </a:xfrm>
-        </p:spPr>
-      </p:pic>
-    </p:spTree>
-    <p:extLst>
-      <p:ext uri="{BB962C8B-B14F-4D97-AF65-F5344CB8AC3E}">
-        <p14:creationId xmlns:p14="http://schemas.microsoft.com/office/powerpoint/2010/main" val="3187655218"/>
-      </p:ext>
-    </p:extLst>
-  </p:cSld>
-  <p:clrMapOvr>
-    <a:masterClrMapping/>
-  </p:clrMapOvr>
-  <mc:AlternateContent xmlns:mc="http://schemas.openxmlformats.org/markup-compatibility/2006" xmlns:p14="http://schemas.microsoft.com/office/powerpoint/2010/main">
-    <mc:Choice Requires="p14">
-      <p:transition spd="med" p14:dur="700">
-        <p:fade/>
-      </p:transition>
-    </mc:Choice>
-    <mc:Fallback xmlns="">
-      <p:transition spd="med">
-        <p:fade/>
-      </p:transition>
-    </mc:Fallback>
-  </mc:AlternateContent>
-  <p:timing>
-    <p:tnLst>
-      <p:par>
-        <p:cTn id="1" dur="indefinite" restart="never" nodeType="tmRoot"/>
-      </p:par>
-    </p:tnLst>
-  </p:timing>
-</p:sld>
-</file>
-
-<file path=ppt/slides/slide30.xml><?xml version="1.0" encoding="utf-8"?>
-<p:sld xmlns:a="http://schemas.openxmlformats.org/drawingml/2006/main" xmlns:r="http://schemas.openxmlformats.org/officeDocument/2006/relationships" xmlns:p="http://schemas.openxmlformats.org/presentationml/2006/main">
-  <p:cSld>
-    <p:spTree>
-      <p:nvGrpSpPr>
-        <p:cNvPr id="1" name=""/>
-        <p:cNvGrpSpPr/>
-        <p:nvPr/>
-      </p:nvGrpSpPr>
-      <p:grpSpPr>
-        <a:xfrm>
-          <a:off x="0" y="0"/>
-          <a:ext cx="0" cy="0"/>
-          <a:chOff x="0" y="0"/>
-          <a:chExt cx="0" cy="0"/>
-        </a:xfrm>
-      </p:grpSpPr>
-      <p:sp>
-        <p:nvSpPr>
-          <p:cNvPr id="2" name="Title 1">
-            <a:extLst>
-              <a:ext uri="{FF2B5EF4-FFF2-40B4-BE49-F238E27FC236}">
-                <a16:creationId xmlns:a16="http://schemas.microsoft.com/office/drawing/2014/main" id="{CB51924B-DEDC-44AB-837D-12E7FFCBA37D}"/>
-              </a:ext>
-            </a:extLst>
-          </p:cNvPr>
-          <p:cNvSpPr>
-            <a:spLocks noGrp="1"/>
-          </p:cNvSpPr>
-          <p:nvPr>
-            <p:ph type="title"/>
-          </p:nvPr>
-        </p:nvSpPr>
-        <p:spPr/>
-        <p:txBody>
-          <a:bodyPr/>
-          <a:lstStyle/>
-          <a:p>
-            <a:r>
-              <a:rPr lang="zh-CN" altLang="en-US" dirty="0"/>
-              <a:t>实验七：软件配置管理</a:t>
-            </a:r>
-            <a:endParaRPr lang="en-US" dirty="0"/>
-          </a:p>
-        </p:txBody>
-      </p:sp>
-      <p:sp>
-        <p:nvSpPr>
-          <p:cNvPr id="3" name="Content Placeholder 2">
-            <a:extLst>
-              <a:ext uri="{FF2B5EF4-FFF2-40B4-BE49-F238E27FC236}">
-                <a16:creationId xmlns:a16="http://schemas.microsoft.com/office/drawing/2014/main" id="{6EBB9CCB-A98A-4B3C-8361-536198781B58}"/>
-              </a:ext>
-            </a:extLst>
-          </p:cNvPr>
-          <p:cNvSpPr>
-            <a:spLocks noGrp="1"/>
-          </p:cNvSpPr>
-          <p:nvPr>
-            <p:ph idx="1"/>
-          </p:nvPr>
-        </p:nvSpPr>
-        <p:spPr/>
-        <p:txBody>
-          <a:bodyPr>
-            <a:normAutofit fontScale="92500" lnSpcReduction="10000"/>
-          </a:bodyPr>
-          <a:lstStyle/>
-          <a:p>
-            <a:pPr marL="0" indent="0">
-              <a:buNone/>
-            </a:pPr>
-            <a:r>
-              <a:rPr lang="zh-CN" altLang="en-US" b="1" dirty="0"/>
-              <a:t>优良格式的</a:t>
-            </a:r>
-            <a:r>
-              <a:rPr lang="en-US" altLang="zh-CN" b="1" dirty="0"/>
-              <a:t>Commit Message</a:t>
-            </a:r>
-          </a:p>
-          <a:p>
-            <a:r>
-              <a:rPr lang="zh-CN" altLang="en-US" dirty="0"/>
-              <a:t>在一般的</a:t>
-            </a:r>
-            <a:r>
-              <a:rPr lang="en-US" altLang="zh-CN" dirty="0"/>
-              <a:t>Commit</a:t>
-            </a:r>
-            <a:r>
-              <a:rPr lang="zh-CN" altLang="en-US" dirty="0"/>
-              <a:t>和</a:t>
-            </a:r>
-            <a:r>
-              <a:rPr lang="en-US" altLang="zh-CN" dirty="0"/>
-              <a:t>Pull Request</a:t>
-            </a:r>
-            <a:r>
-              <a:rPr lang="zh-CN" altLang="en-US" dirty="0"/>
-              <a:t>合并的</a:t>
-            </a:r>
-            <a:r>
-              <a:rPr lang="en-US" altLang="zh-CN" dirty="0"/>
-              <a:t>Message</a:t>
-            </a:r>
-            <a:r>
-              <a:rPr lang="zh-CN" altLang="en-US" dirty="0"/>
-              <a:t>中约定一系列规则</a:t>
-            </a:r>
-            <a:endParaRPr lang="en-US" altLang="zh-CN" dirty="0"/>
-          </a:p>
-          <a:p>
-            <a:r>
-              <a:rPr lang="zh-CN" altLang="en-US" b="1" dirty="0"/>
-              <a:t>代码仓库</a:t>
-            </a:r>
-            <a:r>
-              <a:rPr lang="zh-CN" altLang="en-US" dirty="0"/>
-              <a:t>要求使用英文</a:t>
-            </a:r>
-            <a:r>
-              <a:rPr lang="en-US" altLang="zh-CN" dirty="0"/>
-              <a:t>Message</a:t>
-            </a:r>
-          </a:p>
-          <a:p>
-            <a:r>
-              <a:rPr lang="zh-CN" altLang="en-US" dirty="0"/>
-              <a:t>可以使用带有正文（不止一行的</a:t>
-            </a:r>
-            <a:r>
-              <a:rPr lang="en-US" altLang="zh-CN" dirty="0"/>
-              <a:t>Message</a:t>
-            </a:r>
-            <a:r>
-              <a:rPr lang="zh-CN" altLang="en-US" dirty="0"/>
-              <a:t>），主题和正文隔一行</a:t>
-            </a:r>
-            <a:endParaRPr lang="en-US" altLang="zh-CN" dirty="0"/>
-          </a:p>
-          <a:p>
-            <a:r>
-              <a:rPr lang="zh-CN" altLang="en-US" dirty="0"/>
-              <a:t>主题小于</a:t>
-            </a:r>
-            <a:r>
-              <a:rPr lang="en-US" altLang="zh-CN" dirty="0"/>
-              <a:t>50</a:t>
-            </a:r>
-            <a:r>
-              <a:rPr lang="zh-CN" altLang="en-US" dirty="0"/>
-              <a:t>字符</a:t>
-            </a:r>
-            <a:endParaRPr lang="en-US" altLang="zh-CN" dirty="0"/>
-          </a:p>
-          <a:p>
-            <a:r>
-              <a:rPr lang="zh-CN" altLang="en-US" dirty="0"/>
-              <a:t>主题首字母大写</a:t>
-            </a:r>
-            <a:endParaRPr lang="en-US" altLang="zh-CN" dirty="0"/>
-          </a:p>
-          <a:p>
-            <a:r>
-              <a:rPr lang="zh-CN" altLang="en-US" dirty="0"/>
-              <a:t>主题末尾不加句号</a:t>
-            </a:r>
-            <a:endParaRPr lang="en-US" altLang="zh-CN" dirty="0"/>
-          </a:p>
-          <a:p>
-            <a:r>
-              <a:rPr lang="zh-CN" altLang="en-US" dirty="0"/>
-              <a:t>主题用祈使句</a:t>
-            </a:r>
-            <a:endParaRPr lang="en-US" altLang="zh-CN" dirty="0"/>
-          </a:p>
-          <a:p>
-            <a:r>
-              <a:rPr lang="zh-CN" altLang="en-US" dirty="0"/>
-              <a:t>正文小于</a:t>
-            </a:r>
-            <a:r>
-              <a:rPr lang="en-US" altLang="zh-CN" dirty="0"/>
-              <a:t>72</a:t>
-            </a:r>
-            <a:r>
-              <a:rPr lang="zh-CN" altLang="en-US" dirty="0"/>
-              <a:t>词</a:t>
-            </a:r>
-            <a:endParaRPr lang="en-US" altLang="zh-CN" dirty="0"/>
-          </a:p>
-          <a:p>
-            <a:r>
-              <a:rPr lang="zh-CN" altLang="en-US" dirty="0"/>
-              <a:t>正文描述做了什么以及为什么</a:t>
-            </a:r>
-            <a:endParaRPr lang="en-US" altLang="zh-CN" dirty="0"/>
-          </a:p>
-          <a:p>
-            <a:r>
-              <a:rPr lang="en-US" altLang="zh-CN" dirty="0"/>
-              <a:t>https://chris.beams.io/posts/git-commit/</a:t>
-            </a:r>
-            <a:endParaRPr lang="en-US" dirty="0"/>
-          </a:p>
-          <a:p>
-            <a:endParaRPr lang="en-US" dirty="0"/>
-          </a:p>
-        </p:txBody>
-      </p:sp>
-    </p:spTree>
-    <p:extLst>
-      <p:ext uri="{BB962C8B-B14F-4D97-AF65-F5344CB8AC3E}">
-        <p14:creationId xmlns:p14="http://schemas.microsoft.com/office/powerpoint/2010/main" val="2886510853"/>
-      </p:ext>
-    </p:extLst>
-  </p:cSld>
-  <p:clrMapOvr>
-    <a:masterClrMapping/>
-  </p:clrMapOvr>
-  <mc:AlternateContent xmlns:mc="http://schemas.openxmlformats.org/markup-compatibility/2006" xmlns:p14="http://schemas.microsoft.com/office/powerpoint/2010/main">
-    <mc:Choice Requires="p14">
-      <p:transition spd="med" p14:dur="700">
-        <p:fade/>
-      </p:transition>
-    </mc:Choice>
-    <mc:Fallback xmlns="">
-      <p:transition spd="med">
-        <p:fade/>
-      </p:transition>
-    </mc:Fallback>
-  </mc:AlternateContent>
-  <p:timing>
-    <p:tnLst>
-      <p:par>
-        <p:cTn id="1" dur="indefinite" restart="never" nodeType="tmRoot"/>
-      </p:par>
-    </p:tnLst>
-  </p:timing>
-</p:sld>
-</file>
-
-<file path=ppt/slides/slide31.xml><?xml version="1.0" encoding="utf-8"?>
-<p:sld xmlns:a="http://schemas.openxmlformats.org/drawingml/2006/main" xmlns:r="http://schemas.openxmlformats.org/officeDocument/2006/relationships" xmlns:p="http://schemas.openxmlformats.org/presentationml/2006/main">
-  <p:cSld>
-    <p:spTree>
-      <p:nvGrpSpPr>
-        <p:cNvPr id="1" name=""/>
-        <p:cNvGrpSpPr/>
-        <p:nvPr/>
-      </p:nvGrpSpPr>
-      <p:grpSpPr>
-        <a:xfrm>
-          <a:off x="0" y="0"/>
-          <a:ext cx="0" cy="0"/>
-          <a:chOff x="0" y="0"/>
-          <a:chExt cx="0" cy="0"/>
-        </a:xfrm>
-      </p:grpSpPr>
-      <p:sp>
-        <p:nvSpPr>
-          <p:cNvPr id="2" name="Title 1">
-            <a:extLst>
-              <a:ext uri="{FF2B5EF4-FFF2-40B4-BE49-F238E27FC236}">
                 <a16:creationId xmlns:a16="http://schemas.microsoft.com/office/drawing/2014/main" id="{5A38E1B0-6FAF-49A8-B575-1ADC8D1CAE98}"/>
               </a:ext>
             </a:extLst>
@@ -11550,7 +11038,7 @@
 </p:sld>
 </file>
 
-<file path=ppt/slides/slide32.xml><?xml version="1.0" encoding="utf-8"?>
+<file path=ppt/slides/slide3.xml><?xml version="1.0" encoding="utf-8"?>
 <p:sld xmlns:a="http://schemas.openxmlformats.org/drawingml/2006/main" xmlns:r="http://schemas.openxmlformats.org/officeDocument/2006/relationships" xmlns:p="http://schemas.openxmlformats.org/presentationml/2006/main">
   <p:cSld>
     <p:spTree>
@@ -11569,13 +11057,7 @@
       </p:grpSpPr>
       <p:sp>
         <p:nvSpPr>
-          <p:cNvPr id="2" name="Title 1">
-            <a:extLst>
-              <a:ext uri="{FF2B5EF4-FFF2-40B4-BE49-F238E27FC236}">
-                <a16:creationId xmlns:a16="http://schemas.microsoft.com/office/drawing/2014/main" id="{5A38E1B0-6FAF-49A8-B575-1ADC8D1CAE98}"/>
-              </a:ext>
-            </a:extLst>
-          </p:cNvPr>
+          <p:cNvPr id="2" name="标题 1"/>
           <p:cNvSpPr>
             <a:spLocks noGrp="1"/>
           </p:cNvSpPr>
@@ -11589,88 +11071,50 @@
           <a:lstStyle/>
           <a:p>
             <a:r>
-              <a:rPr lang="zh-CN" altLang="en-US" dirty="0"/>
-              <a:t>实验七：软件配置管理</a:t>
-            </a:r>
-            <a:endParaRPr lang="en-US" dirty="0"/>
-          </a:p>
-        </p:txBody>
-      </p:sp>
-      <p:sp>
-        <p:nvSpPr>
-          <p:cNvPr id="3" name="Content Placeholder 2">
-            <a:extLst>
-              <a:ext uri="{FF2B5EF4-FFF2-40B4-BE49-F238E27FC236}">
-                <a16:creationId xmlns:a16="http://schemas.microsoft.com/office/drawing/2014/main" id="{7122D93B-DA6B-4F6B-A824-F05C51716C87}"/>
-              </a:ext>
-            </a:extLst>
-          </p:cNvPr>
-          <p:cNvSpPr>
-            <a:spLocks noGrp="1"/>
-          </p:cNvSpPr>
+              <a:rPr lang="en-US" altLang="zh-CN" dirty="0" err="1" smtClean="0"/>
+              <a:t>EasySpider</a:t>
+            </a:r>
+            <a:r>
+              <a:rPr lang="zh-CN" altLang="en-US" dirty="0" smtClean="0"/>
+              <a:t>系统整体架构</a:t>
+            </a:r>
+            <a:endParaRPr lang="zh-CN" altLang="en-US" dirty="0"/>
+          </a:p>
+        </p:txBody>
+      </p:sp>
+      <p:pic>
+        <p:nvPicPr>
+          <p:cNvPr id="7" name="内容占位符 6"/>
+          <p:cNvPicPr>
+            <a:picLocks noGrp="1" noChangeAspect="1"/>
+          </p:cNvPicPr>
           <p:nvPr>
             <p:ph idx="1"/>
           </p:nvPr>
-        </p:nvSpPr>
-        <p:spPr/>
-        <p:txBody>
-          <a:bodyPr/>
-          <a:lstStyle/>
-          <a:p>
-            <a:pPr marL="0" indent="0">
-              <a:buNone/>
-            </a:pPr>
-            <a:r>
-              <a:rPr lang="zh-CN" altLang="en-US" b="1" dirty="0"/>
-              <a:t>代码风格、自动格式化</a:t>
-            </a:r>
-            <a:endParaRPr lang="en-US" altLang="zh-CN" b="1" dirty="0"/>
-          </a:p>
-          <a:p>
-            <a:r>
-              <a:rPr lang="zh-CN" altLang="en-US" dirty="0"/>
-              <a:t>本项目参照</a:t>
-            </a:r>
-            <a:r>
-              <a:rPr lang="en-US" altLang="zh-CN" dirty="0"/>
-              <a:t>Python</a:t>
-            </a:r>
-            <a:r>
-              <a:rPr lang="zh-CN" altLang="en-US" dirty="0"/>
-              <a:t>的代码风格指导 </a:t>
-            </a:r>
-            <a:r>
-              <a:rPr lang="en-US" altLang="zh-CN" dirty="0"/>
-              <a:t>PEP8</a:t>
-            </a:r>
-          </a:p>
-          <a:p>
-            <a:r>
-              <a:rPr lang="en-US" altLang="zh-CN" dirty="0"/>
-              <a:t>https://www.python.org/dev/peps/pep-0008/</a:t>
-            </a:r>
-          </a:p>
-          <a:p>
-            <a:r>
-              <a:rPr lang="zh-CN" altLang="en-US" dirty="0"/>
-              <a:t>代码提交前需要使用</a:t>
-            </a:r>
-            <a:r>
-              <a:rPr lang="en-US" altLang="zh-CN" dirty="0"/>
-              <a:t>IDE</a:t>
-            </a:r>
-            <a:r>
-              <a:rPr lang="zh-CN" altLang="en-US" dirty="0"/>
-              <a:t>对代码进行格式化</a:t>
-            </a:r>
-            <a:endParaRPr lang="en-US" dirty="0"/>
-          </a:p>
-        </p:txBody>
-      </p:sp>
+        </p:nvPicPr>
+        <p:blipFill>
+          <a:blip r:embed="rId2">
+            <a:extLst>
+              <a:ext uri="{28A0092B-C50C-407E-A947-70E740481C1C}">
+                <a14:useLocalDpi xmlns:a14="http://schemas.microsoft.com/office/drawing/2010/main" val="0"/>
+              </a:ext>
+            </a:extLst>
+          </a:blip>
+          <a:stretch>
+            <a:fillRect/>
+          </a:stretch>
+        </p:blipFill>
+        <p:spPr>
+          <a:xfrm>
+            <a:off x="878907" y="1987826"/>
+            <a:ext cx="10791675" cy="3906077"/>
+          </a:xfrm>
+        </p:spPr>
+      </p:pic>
     </p:spTree>
     <p:extLst>
       <p:ext uri="{BB962C8B-B14F-4D97-AF65-F5344CB8AC3E}">
-        <p14:creationId xmlns:p14="http://schemas.microsoft.com/office/powerpoint/2010/main" val="350458422"/>
+        <p14:creationId xmlns:p14="http://schemas.microsoft.com/office/powerpoint/2010/main" val="3187655218"/>
       </p:ext>
     </p:extLst>
   </p:cSld>
@@ -11699,7 +11143,131 @@
 </p:sld>
 </file>
 
-<file path=ppt/slides/slide33.xml><?xml version="1.0" encoding="utf-8"?>
+<file path=ppt/slides/slide30.xml><?xml version="1.0" encoding="utf-8"?>
+<p:sld xmlns:a="http://schemas.openxmlformats.org/drawingml/2006/main" xmlns:r="http://schemas.openxmlformats.org/officeDocument/2006/relationships" xmlns:p="http://schemas.openxmlformats.org/presentationml/2006/main">
+  <p:cSld>
+    <p:spTree>
+      <p:nvGrpSpPr>
+        <p:cNvPr id="1" name=""/>
+        <p:cNvGrpSpPr/>
+        <p:nvPr/>
+      </p:nvGrpSpPr>
+      <p:grpSpPr>
+        <a:xfrm>
+          <a:off x="0" y="0"/>
+          <a:ext cx="0" cy="0"/>
+          <a:chOff x="0" y="0"/>
+          <a:chExt cx="0" cy="0"/>
+        </a:xfrm>
+      </p:grpSpPr>
+      <p:sp>
+        <p:nvSpPr>
+          <p:cNvPr id="2" name="标题 1"/>
+          <p:cNvSpPr>
+            <a:spLocks noGrp="1"/>
+          </p:cNvSpPr>
+          <p:nvPr>
+            <p:ph type="title"/>
+          </p:nvPr>
+        </p:nvSpPr>
+        <p:spPr/>
+        <p:txBody>
+          <a:bodyPr/>
+          <a:lstStyle/>
+          <a:p>
+            <a:r>
+              <a:rPr lang="zh-CN" altLang="en-US" dirty="0" smtClean="0"/>
+              <a:t>下周工作计划</a:t>
+            </a:r>
+            <a:endParaRPr lang="zh-CN" altLang="en-US" dirty="0"/>
+          </a:p>
+        </p:txBody>
+      </p:sp>
+      <p:sp>
+        <p:nvSpPr>
+          <p:cNvPr id="3" name="内容占位符 2"/>
+          <p:cNvSpPr>
+            <a:spLocks noGrp="1"/>
+          </p:cNvSpPr>
+          <p:nvPr>
+            <p:ph idx="1"/>
+          </p:nvPr>
+        </p:nvSpPr>
+        <p:spPr/>
+        <p:txBody>
+          <a:bodyPr/>
+          <a:lstStyle/>
+          <a:p>
+            <a:endParaRPr lang="en-US" altLang="zh-CN" dirty="0" smtClean="0"/>
+          </a:p>
+          <a:p>
+            <a:endParaRPr lang="en-US" altLang="zh-CN" dirty="0" smtClean="0"/>
+          </a:p>
+          <a:p>
+            <a:r>
+              <a:rPr lang="zh-CN" altLang="en-US" dirty="0" smtClean="0"/>
+              <a:t>根据点评完善需求规格说明书</a:t>
+            </a:r>
+            <a:endParaRPr lang="en-US" altLang="zh-CN" dirty="0" smtClean="0"/>
+          </a:p>
+          <a:p>
+            <a:r>
+              <a:rPr lang="zh-CN" altLang="en-US" dirty="0"/>
+              <a:t>制定</a:t>
+            </a:r>
+            <a:r>
+              <a:rPr lang="zh-CN" altLang="en-US" dirty="0" smtClean="0"/>
+              <a:t>实验</a:t>
+            </a:r>
+            <a:r>
+              <a:rPr lang="en-US" altLang="zh-CN" dirty="0" smtClean="0"/>
+              <a:t>8</a:t>
+            </a:r>
+            <a:r>
+              <a:rPr lang="zh-CN" altLang="en-US" dirty="0" smtClean="0"/>
+              <a:t>的统计数据表格</a:t>
+            </a:r>
+            <a:endParaRPr lang="en-US" altLang="zh-CN" dirty="0" smtClean="0"/>
+          </a:p>
+          <a:p>
+            <a:r>
+              <a:rPr lang="zh-CN" altLang="en-US" dirty="0" smtClean="0"/>
+              <a:t>尝试开发，做一些</a:t>
+            </a:r>
+            <a:r>
+              <a:rPr lang="en-US" altLang="zh-CN" dirty="0" smtClean="0"/>
+              <a:t>demo</a:t>
+            </a:r>
+            <a:endParaRPr lang="zh-CN" altLang="en-US" dirty="0"/>
+          </a:p>
+        </p:txBody>
+      </p:sp>
+    </p:spTree>
+    <p:extLst>
+      <p:ext uri="{BB962C8B-B14F-4D97-AF65-F5344CB8AC3E}">
+        <p14:creationId xmlns:p14="http://schemas.microsoft.com/office/powerpoint/2010/main" val="2921815594"/>
+      </p:ext>
+    </p:extLst>
+  </p:cSld>
+  <p:clrMapOvr>
+    <a:masterClrMapping/>
+  </p:clrMapOvr>
+  <mc:AlternateContent xmlns:mc="http://schemas.openxmlformats.org/markup-compatibility/2006" xmlns:p14="http://schemas.microsoft.com/office/powerpoint/2010/main">
+    <mc:Choice Requires="p14">
+      <p:transition spd="med" p14:dur="700">
+        <p:fade/>
+      </p:transition>
+    </mc:Choice>
+    <mc:Fallback xmlns="">
+      <p:transition spd="med">
+        <p:fade/>
+      </p:transition>
+    </mc:Fallback>
+  </mc:AlternateContent>
+</p:sld>
+</file>
+
+<file path=ppt/slides/slide31.xml><?xml version="1.0" encoding="utf-8"?>
 <p:sld xmlns:a="http://schemas.openxmlformats.org/drawingml/2006/main" xmlns:r="http://schemas.openxmlformats.org/officeDocument/2006/relationships" xmlns:p="http://schemas.openxmlformats.org/presentationml/2006/main">
   <p:cSld>
     <p:spTree>
@@ -12408,11 +11976,7 @@
             </a:r>
             <a:r>
               <a:rPr lang="zh-CN" altLang="en-US" sz="1600" dirty="0"/>
-              <a:t>下载</a:t>
-            </a:r>
-            <a:r>
-              <a:rPr lang="zh-CN" altLang="en-US" sz="1600" dirty="0"/>
-              <a:t>器中间</a:t>
+              <a:t>下载器中间</a:t>
             </a:r>
             <a:r>
               <a:rPr lang="zh-CN" altLang="en-US" sz="1600" dirty="0" smtClean="0"/>
@@ -12861,11 +12425,7 @@
             </a:r>
             <a:r>
               <a:rPr lang="en-US" altLang="zh-CN" dirty="0" smtClean="0"/>
-              <a:t>-</a:t>
-            </a:r>
-            <a:r>
-              <a:rPr lang="en-US" altLang="zh-CN" dirty="0" smtClean="0"/>
-              <a:t>Web UI</a:t>
+              <a:t>-Web UI</a:t>
             </a:r>
             <a:endParaRPr lang="zh-CN" altLang="en-US" dirty="0"/>
           </a:p>
